--- a/Paper Work/Presentation - J.pptx
+++ b/Paper Work/Presentation - J.pptx
@@ -35862,13 +35862,8 @@
           <a:p>
             <a:r>
               <a:rPr lang="en-GB" dirty="0"/>
-              <a:t>IoT Storage </a:t>
+              <a:t>IoT Storage Requirements</a:t>
             </a:r>
-            <a:r>
-              <a:rPr lang="en-GB" dirty="0" err="1"/>
-              <a:t>Requirments</a:t>
-            </a:r>
-            <a:endParaRPr lang="en-GB" dirty="0"/>
           </a:p>
         </p:txBody>
       </p:sp>
@@ -37420,8 +37415,13 @@
           <a:p>
             <a:r>
               <a:rPr lang="en-GB" dirty="0"/>
-              <a:t>FLUTTER</a:t>
+              <a:t>React </a:t>
             </a:r>
+            <a:r>
+              <a:rPr lang="en-GB"/>
+              <a:t>Native Solution</a:t>
+            </a:r>
+            <a:endParaRPr lang="en-GB" dirty="0"/>
           </a:p>
         </p:txBody>
       </p:sp>
